--- a/8. DDD архитектура/Архитектура больших проектов.pptx
+++ b/8. DDD архитектура/Архитектура больших проектов.pptx
@@ -218,7 +218,7 @@
           <a:p>
             <a:fld id="{C1D4E0F3-72BF-4A3D-B15B-5DC58D76DB7C}" type="datetimeFigureOut">
               <a:rPr lang="ru-RU" smtClean="0"/>
-              <a:t>12-03-2023</a:t>
+              <a:t>22-03-2023</a:t>
             </a:fld>
             <a:endParaRPr lang="ru-RU"/>
           </a:p>
@@ -627,7 +627,7 @@
           <a:noFill/>
           <a:extLst>
             <a:ext uri="{909E8E84-426E-40dd-AFC4-6F175D3DCCD1}">
-              <a14:hiddenFill xmlns:a14="http://schemas.microsoft.com/office/drawing/2010/main" xmlns="">
+              <a14:hiddenFill xmlns="" xmlns:a14="http://schemas.microsoft.com/office/drawing/2010/main">
                 <a:solidFill>
                   <a:srgbClr val="FFFFFF"/>
                 </a:solidFill>
@@ -686,7 +686,7 @@
             </a:ln>
             <a:extLst>
               <a:ext uri="{91240B29-F687-4f45-9708-019B960494DF}">
-                <a14:hiddenLine xmlns:a14="http://schemas.microsoft.com/office/drawing/2010/main" xmlns="" w="9525">
+                <a14:hiddenLine xmlns="" xmlns:a14="http://schemas.microsoft.com/office/drawing/2010/main" w="9525">
                   <a:solidFill>
                     <a:srgbClr val="000000"/>
                   </a:solidFill>
@@ -776,7 +776,7 @@
             </a:ln>
             <a:extLst>
               <a:ext uri="{91240B29-F687-4f45-9708-019B960494DF}">
-                <a14:hiddenLine xmlns:a14="http://schemas.microsoft.com/office/drawing/2010/main" xmlns="" w="9525">
+                <a14:hiddenLine xmlns="" xmlns:a14="http://schemas.microsoft.com/office/drawing/2010/main" w="9525">
                   <a:solidFill>
                     <a:srgbClr val="000000"/>
                   </a:solidFill>
@@ -866,7 +866,7 @@
             </a:ln>
             <a:extLst>
               <a:ext uri="{91240B29-F687-4f45-9708-019B960494DF}">
-                <a14:hiddenLine xmlns:a14="http://schemas.microsoft.com/office/drawing/2010/main" xmlns="" w="9525">
+                <a14:hiddenLine xmlns="" xmlns:a14="http://schemas.microsoft.com/office/drawing/2010/main" w="9525">
                   <a:solidFill>
                     <a:srgbClr val="000000"/>
                   </a:solidFill>
@@ -900,7 +900,7 @@
             </a:ln>
             <a:extLst>
               <a:ext uri="{91240B29-F687-4f45-9708-019B960494DF}">
-                <a14:hiddenLine xmlns:a14="http://schemas.microsoft.com/office/drawing/2010/main" xmlns="" w="9525">
+                <a14:hiddenLine xmlns="" xmlns:a14="http://schemas.microsoft.com/office/drawing/2010/main" w="9525">
                   <a:solidFill>
                     <a:srgbClr val="000000"/>
                   </a:solidFill>
@@ -990,7 +990,7 @@
             </a:ln>
             <a:extLst>
               <a:ext uri="{91240B29-F687-4f45-9708-019B960494DF}">
-                <a14:hiddenLine xmlns:a14="http://schemas.microsoft.com/office/drawing/2010/main" xmlns="" w="9525">
+                <a14:hiddenLine xmlns="" xmlns:a14="http://schemas.microsoft.com/office/drawing/2010/main" w="9525">
                   <a:solidFill>
                     <a:srgbClr val="000000"/>
                   </a:solidFill>
@@ -1052,7 +1052,7 @@
             </a:ln>
             <a:extLst>
               <a:ext uri="{91240B29-F687-4f45-9708-019B960494DF}">
-                <a14:hiddenLine xmlns:a14="http://schemas.microsoft.com/office/drawing/2010/main" xmlns="" w="9525">
+                <a14:hiddenLine xmlns="" xmlns:a14="http://schemas.microsoft.com/office/drawing/2010/main" w="9525">
                   <a:solidFill>
                     <a:srgbClr val="000000"/>
                   </a:solidFill>
@@ -1114,7 +1114,7 @@
             </a:ln>
             <a:extLst>
               <a:ext uri="{91240B29-F687-4f45-9708-019B960494DF}">
-                <a14:hiddenLine xmlns:a14="http://schemas.microsoft.com/office/drawing/2010/main" xmlns="" w="9525">
+                <a14:hiddenLine xmlns="" xmlns:a14="http://schemas.microsoft.com/office/drawing/2010/main" w="9525">
                   <a:solidFill>
                     <a:srgbClr val="000000"/>
                   </a:solidFill>
@@ -1204,7 +1204,7 @@
             </a:ln>
             <a:extLst>
               <a:ext uri="{91240B29-F687-4f45-9708-019B960494DF}">
-                <a14:hiddenLine xmlns:a14="http://schemas.microsoft.com/office/drawing/2010/main" xmlns="" w="9525">
+                <a14:hiddenLine xmlns="" xmlns:a14="http://schemas.microsoft.com/office/drawing/2010/main" w="9525">
                   <a:solidFill>
                     <a:srgbClr val="000000"/>
                   </a:solidFill>
@@ -1266,7 +1266,7 @@
             </a:ln>
             <a:extLst>
               <a:ext uri="{91240B29-F687-4f45-9708-019B960494DF}">
-                <a14:hiddenLine xmlns:a14="http://schemas.microsoft.com/office/drawing/2010/main" xmlns="" w="9525">
+                <a14:hiddenLine xmlns="" xmlns:a14="http://schemas.microsoft.com/office/drawing/2010/main" w="9525">
                   <a:solidFill>
                     <a:srgbClr val="000000"/>
                   </a:solidFill>
@@ -1328,7 +1328,7 @@
             </a:ln>
             <a:extLst>
               <a:ext uri="{91240B29-F687-4f45-9708-019B960494DF}">
-                <a14:hiddenLine xmlns:a14="http://schemas.microsoft.com/office/drawing/2010/main" xmlns="" w="9525">
+                <a14:hiddenLine xmlns="" xmlns:a14="http://schemas.microsoft.com/office/drawing/2010/main" w="9525">
                   <a:solidFill>
                     <a:srgbClr val="000000"/>
                   </a:solidFill>
@@ -1418,7 +1418,7 @@
             </a:ln>
             <a:extLst>
               <a:ext uri="{91240B29-F687-4f45-9708-019B960494DF}">
-                <a14:hiddenLine xmlns:a14="http://schemas.microsoft.com/office/drawing/2010/main" xmlns="" w="9525">
+                <a14:hiddenLine xmlns="" xmlns:a14="http://schemas.microsoft.com/office/drawing/2010/main" w="9525">
                   <a:solidFill>
                     <a:srgbClr val="000000"/>
                   </a:solidFill>
@@ -1508,7 +1508,7 @@
             </a:ln>
             <a:extLst>
               <a:ext uri="{91240B29-F687-4f45-9708-019B960494DF}">
-                <a14:hiddenLine xmlns:a14="http://schemas.microsoft.com/office/drawing/2010/main" xmlns="" w="9525">
+                <a14:hiddenLine xmlns="" xmlns:a14="http://schemas.microsoft.com/office/drawing/2010/main" w="9525">
                   <a:solidFill>
                     <a:srgbClr val="000000"/>
                   </a:solidFill>
@@ -1570,7 +1570,7 @@
             </a:ln>
             <a:extLst>
               <a:ext uri="{91240B29-F687-4f45-9708-019B960494DF}">
-                <a14:hiddenLine xmlns:a14="http://schemas.microsoft.com/office/drawing/2010/main" xmlns="" w="9525">
+                <a14:hiddenLine xmlns="" xmlns:a14="http://schemas.microsoft.com/office/drawing/2010/main" w="9525">
                   <a:solidFill>
                     <a:srgbClr val="000000"/>
                   </a:solidFill>
@@ -1680,7 +1680,7 @@
             </a:ln>
             <a:extLst>
               <a:ext uri="{91240B29-F687-4f45-9708-019B960494DF}">
-                <a14:hiddenLine xmlns:a14="http://schemas.microsoft.com/office/drawing/2010/main" xmlns="" w="9525">
+                <a14:hiddenLine xmlns="" xmlns:a14="http://schemas.microsoft.com/office/drawing/2010/main" w="9525">
                   <a:solidFill>
                     <a:srgbClr val="000000"/>
                   </a:solidFill>
@@ -1742,7 +1742,7 @@
             </a:ln>
             <a:extLst>
               <a:ext uri="{91240B29-F687-4f45-9708-019B960494DF}">
-                <a14:hiddenLine xmlns:a14="http://schemas.microsoft.com/office/drawing/2010/main" xmlns="" w="9525">
+                <a14:hiddenLine xmlns="" xmlns:a14="http://schemas.microsoft.com/office/drawing/2010/main" w="9525">
                   <a:solidFill>
                     <a:srgbClr val="000000"/>
                   </a:solidFill>
@@ -1832,7 +1832,7 @@
             </a:ln>
             <a:extLst>
               <a:ext uri="{91240B29-F687-4f45-9708-019B960494DF}">
-                <a14:hiddenLine xmlns:a14="http://schemas.microsoft.com/office/drawing/2010/main" xmlns="" w="9525">
+                <a14:hiddenLine xmlns="" xmlns:a14="http://schemas.microsoft.com/office/drawing/2010/main" w="9525">
                   <a:solidFill>
                     <a:srgbClr val="000000"/>
                   </a:solidFill>
@@ -1922,7 +1922,7 @@
             </a:ln>
             <a:extLst>
               <a:ext uri="{91240B29-F687-4f45-9708-019B960494DF}">
-                <a14:hiddenLine xmlns:a14="http://schemas.microsoft.com/office/drawing/2010/main" xmlns="" w="9525">
+                <a14:hiddenLine xmlns="" xmlns:a14="http://schemas.microsoft.com/office/drawing/2010/main" w="9525">
                   <a:solidFill>
                     <a:srgbClr val="000000"/>
                   </a:solidFill>
@@ -1984,7 +1984,7 @@
             </a:ln>
             <a:extLst>
               <a:ext uri="{91240B29-F687-4f45-9708-019B960494DF}">
-                <a14:hiddenLine xmlns:a14="http://schemas.microsoft.com/office/drawing/2010/main" xmlns="" w="9525">
+                <a14:hiddenLine xmlns="" xmlns:a14="http://schemas.microsoft.com/office/drawing/2010/main" w="9525">
                   <a:solidFill>
                     <a:srgbClr val="000000"/>
                   </a:solidFill>
@@ -2074,7 +2074,7 @@
             </a:ln>
             <a:extLst>
               <a:ext uri="{91240B29-F687-4f45-9708-019B960494DF}">
-                <a14:hiddenLine xmlns:a14="http://schemas.microsoft.com/office/drawing/2010/main" xmlns="" w="9525">
+                <a14:hiddenLine xmlns="" xmlns:a14="http://schemas.microsoft.com/office/drawing/2010/main" w="9525">
                   <a:solidFill>
                     <a:srgbClr val="000000"/>
                   </a:solidFill>
@@ -2164,7 +2164,7 @@
             </a:ln>
             <a:extLst>
               <a:ext uri="{91240B29-F687-4f45-9708-019B960494DF}">
-                <a14:hiddenLine xmlns:a14="http://schemas.microsoft.com/office/drawing/2010/main" xmlns="" w="9525">
+                <a14:hiddenLine xmlns="" xmlns:a14="http://schemas.microsoft.com/office/drawing/2010/main" w="9525">
                   <a:solidFill>
                     <a:srgbClr val="000000"/>
                   </a:solidFill>
@@ -2220,7 +2220,7 @@
             </a:ln>
             <a:extLst>
               <a:ext uri="{91240B29-F687-4f45-9708-019B960494DF}">
-                <a14:hiddenLine xmlns:a14="http://schemas.microsoft.com/office/drawing/2010/main" xmlns="" w="9525">
+                <a14:hiddenLine xmlns="" xmlns:a14="http://schemas.microsoft.com/office/drawing/2010/main" w="9525">
                   <a:solidFill>
                     <a:srgbClr val="000000"/>
                   </a:solidFill>
@@ -2310,7 +2310,7 @@
             </a:ln>
             <a:extLst>
               <a:ext uri="{91240B29-F687-4f45-9708-019B960494DF}">
-                <a14:hiddenLine xmlns:a14="http://schemas.microsoft.com/office/drawing/2010/main" xmlns="" w="9525">
+                <a14:hiddenLine xmlns="" xmlns:a14="http://schemas.microsoft.com/office/drawing/2010/main" w="9525">
                   <a:solidFill>
                     <a:srgbClr val="000000"/>
                   </a:solidFill>
@@ -2366,7 +2366,7 @@
             </a:ln>
             <a:extLst>
               <a:ext uri="{91240B29-F687-4f45-9708-019B960494DF}">
-                <a14:hiddenLine xmlns:a14="http://schemas.microsoft.com/office/drawing/2010/main" xmlns="" w="9525">
+                <a14:hiddenLine xmlns="" xmlns:a14="http://schemas.microsoft.com/office/drawing/2010/main" w="9525">
                   <a:solidFill>
                     <a:srgbClr val="000000"/>
                   </a:solidFill>
@@ -2456,7 +2456,7 @@
             </a:ln>
             <a:extLst>
               <a:ext uri="{91240B29-F687-4f45-9708-019B960494DF}">
-                <a14:hiddenLine xmlns:a14="http://schemas.microsoft.com/office/drawing/2010/main" xmlns="" w="9525">
+                <a14:hiddenLine xmlns="" xmlns:a14="http://schemas.microsoft.com/office/drawing/2010/main" w="9525">
                   <a:solidFill>
                     <a:srgbClr val="000000"/>
                   </a:solidFill>
@@ -2524,7 +2524,7 @@
             </a:ln>
             <a:extLst>
               <a:ext uri="{91240B29-F687-4f45-9708-019B960494DF}">
-                <a14:hiddenLine xmlns:a14="http://schemas.microsoft.com/office/drawing/2010/main" xmlns="" w="9525">
+                <a14:hiddenLine xmlns="" xmlns:a14="http://schemas.microsoft.com/office/drawing/2010/main" w="9525">
                   <a:solidFill>
                     <a:srgbClr val="000000"/>
                   </a:solidFill>
@@ -2614,7 +2614,7 @@
             </a:ln>
             <a:extLst>
               <a:ext uri="{91240B29-F687-4f45-9708-019B960494DF}">
-                <a14:hiddenLine xmlns:a14="http://schemas.microsoft.com/office/drawing/2010/main" xmlns="" w="9525">
+                <a14:hiddenLine xmlns="" xmlns:a14="http://schemas.microsoft.com/office/drawing/2010/main" w="9525">
                   <a:solidFill>
                     <a:srgbClr val="000000"/>
                   </a:solidFill>
@@ -2682,7 +2682,7 @@
             </a:ln>
             <a:extLst>
               <a:ext uri="{91240B29-F687-4f45-9708-019B960494DF}">
-                <a14:hiddenLine xmlns:a14="http://schemas.microsoft.com/office/drawing/2010/main" xmlns="" w="9525">
+                <a14:hiddenLine xmlns="" xmlns:a14="http://schemas.microsoft.com/office/drawing/2010/main" w="9525">
                   <a:solidFill>
                     <a:srgbClr val="000000"/>
                   </a:solidFill>
@@ -2772,7 +2772,7 @@
             </a:ln>
             <a:extLst>
               <a:ext uri="{91240B29-F687-4f45-9708-019B960494DF}">
-                <a14:hiddenLine xmlns:a14="http://schemas.microsoft.com/office/drawing/2010/main" xmlns="" w="9525">
+                <a14:hiddenLine xmlns="" xmlns:a14="http://schemas.microsoft.com/office/drawing/2010/main" w="9525">
                   <a:solidFill>
                     <a:srgbClr val="000000"/>
                   </a:solidFill>
@@ -2806,7 +2806,7 @@
             </a:ln>
             <a:extLst>
               <a:ext uri="{91240B29-F687-4f45-9708-019B960494DF}">
-                <a14:hiddenLine xmlns:a14="http://schemas.microsoft.com/office/drawing/2010/main" xmlns="" w="9525">
+                <a14:hiddenLine xmlns="" xmlns:a14="http://schemas.microsoft.com/office/drawing/2010/main" w="9525">
                   <a:solidFill>
                     <a:srgbClr val="000000"/>
                   </a:solidFill>
@@ -2896,7 +2896,7 @@
             </a:ln>
             <a:extLst>
               <a:ext uri="{91240B29-F687-4f45-9708-019B960494DF}">
-                <a14:hiddenLine xmlns:a14="http://schemas.microsoft.com/office/drawing/2010/main" xmlns="" w="9525">
+                <a14:hiddenLine xmlns="" xmlns:a14="http://schemas.microsoft.com/office/drawing/2010/main" w="9525">
                   <a:solidFill>
                     <a:srgbClr val="000000"/>
                   </a:solidFill>
@@ -2958,7 +2958,7 @@
             </a:ln>
             <a:extLst>
               <a:ext uri="{91240B29-F687-4f45-9708-019B960494DF}">
-                <a14:hiddenLine xmlns:a14="http://schemas.microsoft.com/office/drawing/2010/main" xmlns="" w="9525">
+                <a14:hiddenLine xmlns="" xmlns:a14="http://schemas.microsoft.com/office/drawing/2010/main" w="9525">
                   <a:solidFill>
                     <a:srgbClr val="000000"/>
                   </a:solidFill>
@@ -3020,7 +3020,7 @@
             </a:ln>
             <a:extLst>
               <a:ext uri="{91240B29-F687-4f45-9708-019B960494DF}">
-                <a14:hiddenLine xmlns:a14="http://schemas.microsoft.com/office/drawing/2010/main" xmlns="" w="9525">
+                <a14:hiddenLine xmlns="" xmlns:a14="http://schemas.microsoft.com/office/drawing/2010/main" w="9525">
                   <a:solidFill>
                     <a:srgbClr val="000000"/>
                   </a:solidFill>
@@ -3110,7 +3110,7 @@
             </a:ln>
             <a:extLst>
               <a:ext uri="{91240B29-F687-4f45-9708-019B960494DF}">
-                <a14:hiddenLine xmlns:a14="http://schemas.microsoft.com/office/drawing/2010/main" xmlns="" w="9525">
+                <a14:hiddenLine xmlns="" xmlns:a14="http://schemas.microsoft.com/office/drawing/2010/main" w="9525">
                   <a:solidFill>
                     <a:srgbClr val="000000"/>
                   </a:solidFill>
@@ -3178,7 +3178,7 @@
             </a:ln>
             <a:extLst>
               <a:ext uri="{91240B29-F687-4f45-9708-019B960494DF}">
-                <a14:hiddenLine xmlns:a14="http://schemas.microsoft.com/office/drawing/2010/main" xmlns="" w="9525">
+                <a14:hiddenLine xmlns="" xmlns:a14="http://schemas.microsoft.com/office/drawing/2010/main" w="9525">
                   <a:solidFill>
                     <a:srgbClr val="000000"/>
                   </a:solidFill>
@@ -3240,7 +3240,7 @@
             </a:ln>
             <a:extLst>
               <a:ext uri="{91240B29-F687-4f45-9708-019B960494DF}">
-                <a14:hiddenLine xmlns:a14="http://schemas.microsoft.com/office/drawing/2010/main" xmlns="" w="9525">
+                <a14:hiddenLine xmlns="" xmlns:a14="http://schemas.microsoft.com/office/drawing/2010/main" w="9525">
                   <a:solidFill>
                     <a:srgbClr val="000000"/>
                   </a:solidFill>
@@ -3330,7 +3330,7 @@
             </a:ln>
             <a:extLst>
               <a:ext uri="{91240B29-F687-4f45-9708-019B960494DF}">
-                <a14:hiddenLine xmlns:a14="http://schemas.microsoft.com/office/drawing/2010/main" xmlns="" w="9525">
+                <a14:hiddenLine xmlns="" xmlns:a14="http://schemas.microsoft.com/office/drawing/2010/main" w="9525">
                   <a:solidFill>
                     <a:srgbClr val="000000"/>
                   </a:solidFill>
@@ -3392,7 +3392,7 @@
             </a:ln>
             <a:extLst>
               <a:ext uri="{91240B29-F687-4f45-9708-019B960494DF}">
-                <a14:hiddenLine xmlns:a14="http://schemas.microsoft.com/office/drawing/2010/main" xmlns="" w="9525">
+                <a14:hiddenLine xmlns="" xmlns:a14="http://schemas.microsoft.com/office/drawing/2010/main" w="9525">
                   <a:solidFill>
                     <a:srgbClr val="000000"/>
                   </a:solidFill>
@@ -3482,7 +3482,7 @@
             </a:ln>
             <a:extLst>
               <a:ext uri="{91240B29-F687-4f45-9708-019B960494DF}">
-                <a14:hiddenLine xmlns:a14="http://schemas.microsoft.com/office/drawing/2010/main" xmlns="" w="9525">
+                <a14:hiddenLine xmlns="" xmlns:a14="http://schemas.microsoft.com/office/drawing/2010/main" w="9525">
                   <a:solidFill>
                     <a:srgbClr val="000000"/>
                   </a:solidFill>
@@ -3544,7 +3544,7 @@
             </a:ln>
             <a:extLst>
               <a:ext uri="{91240B29-F687-4f45-9708-019B960494DF}">
-                <a14:hiddenLine xmlns:a14="http://schemas.microsoft.com/office/drawing/2010/main" xmlns="" w="9525">
+                <a14:hiddenLine xmlns="" xmlns:a14="http://schemas.microsoft.com/office/drawing/2010/main" w="9525">
                   <a:solidFill>
                     <a:srgbClr val="000000"/>
                   </a:solidFill>
@@ -3634,7 +3634,7 @@
             </a:ln>
             <a:extLst>
               <a:ext uri="{91240B29-F687-4f45-9708-019B960494DF}">
-                <a14:hiddenLine xmlns:a14="http://schemas.microsoft.com/office/drawing/2010/main" xmlns="" w="9525">
+                <a14:hiddenLine xmlns="" xmlns:a14="http://schemas.microsoft.com/office/drawing/2010/main" w="9525">
                   <a:solidFill>
                     <a:srgbClr val="000000"/>
                   </a:solidFill>
@@ -3668,7 +3668,7 @@
             </a:ln>
             <a:extLst>
               <a:ext uri="{91240B29-F687-4f45-9708-019B960494DF}">
-                <a14:hiddenLine xmlns:a14="http://schemas.microsoft.com/office/drawing/2010/main" xmlns="" w="9525">
+                <a14:hiddenLine xmlns="" xmlns:a14="http://schemas.microsoft.com/office/drawing/2010/main" w="9525">
                   <a:solidFill>
                     <a:srgbClr val="000000"/>
                   </a:solidFill>
@@ -3733,7 +3733,7 @@
             </a:ln>
             <a:extLst>
               <a:ext uri="{91240B29-F687-4f45-9708-019B960494DF}">
-                <a14:hiddenLine xmlns:a14="http://schemas.microsoft.com/office/drawing/2010/main" xmlns="" w="9525">
+                <a14:hiddenLine xmlns="" xmlns:a14="http://schemas.microsoft.com/office/drawing/2010/main" w="9525">
                   <a:solidFill>
                     <a:srgbClr val="000000"/>
                   </a:solidFill>
@@ -3823,7 +3823,7 @@
             </a:ln>
             <a:extLst>
               <a:ext uri="{91240B29-F687-4f45-9708-019B960494DF}">
-                <a14:hiddenLine xmlns:a14="http://schemas.microsoft.com/office/drawing/2010/main" xmlns="" w="9525">
+                <a14:hiddenLine xmlns="" xmlns:a14="http://schemas.microsoft.com/office/drawing/2010/main" w="9525">
                   <a:solidFill>
                     <a:srgbClr val="000000"/>
                   </a:solidFill>
@@ -3885,7 +3885,7 @@
             </a:ln>
             <a:extLst>
               <a:ext uri="{91240B29-F687-4f45-9708-019B960494DF}">
-                <a14:hiddenLine xmlns:a14="http://schemas.microsoft.com/office/drawing/2010/main" xmlns="" w="9525">
+                <a14:hiddenLine xmlns="" xmlns:a14="http://schemas.microsoft.com/office/drawing/2010/main" w="9525">
                   <a:solidFill>
                     <a:srgbClr val="000000"/>
                   </a:solidFill>
@@ -3975,7 +3975,7 @@
             </a:ln>
             <a:extLst>
               <a:ext uri="{91240B29-F687-4f45-9708-019B960494DF}">
-                <a14:hiddenLine xmlns:a14="http://schemas.microsoft.com/office/drawing/2010/main" xmlns="" w="9525">
+                <a14:hiddenLine xmlns="" xmlns:a14="http://schemas.microsoft.com/office/drawing/2010/main" w="9525">
                   <a:solidFill>
                     <a:srgbClr val="000000"/>
                   </a:solidFill>
@@ -4065,7 +4065,7 @@
             </a:ln>
             <a:extLst>
               <a:ext uri="{91240B29-F687-4f45-9708-019B960494DF}">
-                <a14:hiddenLine xmlns:a14="http://schemas.microsoft.com/office/drawing/2010/main" xmlns="" w="9525">
+                <a14:hiddenLine xmlns="" xmlns:a14="http://schemas.microsoft.com/office/drawing/2010/main" w="9525">
                   <a:solidFill>
                     <a:srgbClr val="000000"/>
                   </a:solidFill>
@@ -4130,7 +4130,7 @@
             </a:ln>
             <a:extLst>
               <a:ext uri="{91240B29-F687-4f45-9708-019B960494DF}">
-                <a14:hiddenLine xmlns:a14="http://schemas.microsoft.com/office/drawing/2010/main" xmlns="" w="9525">
+                <a14:hiddenLine xmlns="" xmlns:a14="http://schemas.microsoft.com/office/drawing/2010/main" w="9525">
                   <a:solidFill>
                     <a:srgbClr val="000000"/>
                   </a:solidFill>
@@ -4192,7 +4192,7 @@
             </a:ln>
             <a:extLst>
               <a:ext uri="{91240B29-F687-4f45-9708-019B960494DF}">
-                <a14:hiddenLine xmlns:a14="http://schemas.microsoft.com/office/drawing/2010/main" xmlns="" w="9525">
+                <a14:hiddenLine xmlns="" xmlns:a14="http://schemas.microsoft.com/office/drawing/2010/main" w="9525">
                   <a:solidFill>
                     <a:srgbClr val="000000"/>
                   </a:solidFill>
@@ -4282,7 +4282,7 @@
             </a:ln>
             <a:extLst>
               <a:ext uri="{91240B29-F687-4f45-9708-019B960494DF}">
-                <a14:hiddenLine xmlns:a14="http://schemas.microsoft.com/office/drawing/2010/main" xmlns="" w="9525">
+                <a14:hiddenLine xmlns="" xmlns:a14="http://schemas.microsoft.com/office/drawing/2010/main" w="9525">
                   <a:solidFill>
                     <a:srgbClr val="000000"/>
                   </a:solidFill>
@@ -4372,7 +4372,7 @@
             </a:ln>
             <a:extLst>
               <a:ext uri="{91240B29-F687-4f45-9708-019B960494DF}">
-                <a14:hiddenLine xmlns:a14="http://schemas.microsoft.com/office/drawing/2010/main" xmlns="" w="9525">
+                <a14:hiddenLine xmlns="" xmlns:a14="http://schemas.microsoft.com/office/drawing/2010/main" w="9525">
                   <a:solidFill>
                     <a:srgbClr val="000000"/>
                   </a:solidFill>
@@ -4434,7 +4434,7 @@
             </a:ln>
             <a:extLst>
               <a:ext uri="{91240B29-F687-4f45-9708-019B960494DF}">
-                <a14:hiddenLine xmlns:a14="http://schemas.microsoft.com/office/drawing/2010/main" xmlns="" w="9525">
+                <a14:hiddenLine xmlns="" xmlns:a14="http://schemas.microsoft.com/office/drawing/2010/main" w="9525">
                   <a:solidFill>
                     <a:srgbClr val="000000"/>
                   </a:solidFill>
@@ -4554,7 +4554,7 @@
             </a:ln>
             <a:extLst>
               <a:ext uri="{91240B29-F687-4f45-9708-019B960494DF}">
-                <a14:hiddenLine xmlns:a14="http://schemas.microsoft.com/office/drawing/2010/main" xmlns="" w="9525">
+                <a14:hiddenLine xmlns="" xmlns:a14="http://schemas.microsoft.com/office/drawing/2010/main" w="9525">
                   <a:solidFill>
                     <a:srgbClr val="000000"/>
                   </a:solidFill>
@@ -4622,7 +4622,7 @@
             </a:ln>
             <a:extLst>
               <a:ext uri="{91240B29-F687-4f45-9708-019B960494DF}">
-                <a14:hiddenLine xmlns:a14="http://schemas.microsoft.com/office/drawing/2010/main" xmlns="" w="9525">
+                <a14:hiddenLine xmlns="" xmlns:a14="http://schemas.microsoft.com/office/drawing/2010/main" w="9525">
                   <a:solidFill>
                     <a:srgbClr val="000000"/>
                   </a:solidFill>
@@ -4712,7 +4712,7 @@
             </a:ln>
             <a:extLst>
               <a:ext uri="{91240B29-F687-4f45-9708-019B960494DF}">
-                <a14:hiddenLine xmlns:a14="http://schemas.microsoft.com/office/drawing/2010/main" xmlns="" w="9525">
+                <a14:hiddenLine xmlns="" xmlns:a14="http://schemas.microsoft.com/office/drawing/2010/main" w="9525">
                   <a:solidFill>
                     <a:srgbClr val="000000"/>
                   </a:solidFill>
@@ -4852,7 +4852,7 @@
           <a:p>
             <a:fld id="{A14B9F74-3990-45A6-9411-0C17A8CF851C}" type="datetimeFigureOut">
               <a:rPr lang="ru-RU" smtClean="0"/>
-              <a:t>12-03-2023</a:t>
+              <a:t>22-03-2023</a:t>
             </a:fld>
             <a:endParaRPr lang="ru-RU"/>
           </a:p>
@@ -5119,7 +5119,7 @@
           <a:p>
             <a:fld id="{A14B9F74-3990-45A6-9411-0C17A8CF851C}" type="datetimeFigureOut">
               <a:rPr lang="ru-RU" smtClean="0"/>
-              <a:t>12-03-2023</a:t>
+              <a:t>22-03-2023</a:t>
             </a:fld>
             <a:endParaRPr lang="ru-RU"/>
           </a:p>
@@ -5315,7 +5315,7 @@
           <a:p>
             <a:fld id="{A14B9F74-3990-45A6-9411-0C17A8CF851C}" type="datetimeFigureOut">
               <a:rPr lang="ru-RU" smtClean="0"/>
-              <a:t>12-03-2023</a:t>
+              <a:t>22-03-2023</a:t>
             </a:fld>
             <a:endParaRPr lang="ru-RU"/>
           </a:p>
@@ -5578,7 +5578,7 @@
           <a:p>
             <a:fld id="{A14B9F74-3990-45A6-9411-0C17A8CF851C}" type="datetimeFigureOut">
               <a:rPr lang="ru-RU" smtClean="0"/>
-              <a:t>12-03-2023</a:t>
+              <a:t>22-03-2023</a:t>
             </a:fld>
             <a:endParaRPr lang="ru-RU"/>
           </a:p>
@@ -6012,7 +6012,7 @@
           <a:p>
             <a:fld id="{A14B9F74-3990-45A6-9411-0C17A8CF851C}" type="datetimeFigureOut">
               <a:rPr lang="ru-RU" smtClean="0"/>
-              <a:t>12-03-2023</a:t>
+              <a:t>22-03-2023</a:t>
             </a:fld>
             <a:endParaRPr lang="ru-RU"/>
           </a:p>
@@ -6558,7 +6558,7 @@
           <a:p>
             <a:fld id="{A14B9F74-3990-45A6-9411-0C17A8CF851C}" type="datetimeFigureOut">
               <a:rPr lang="ru-RU" smtClean="0"/>
-              <a:t>12-03-2023</a:t>
+              <a:t>22-03-2023</a:t>
             </a:fld>
             <a:endParaRPr lang="ru-RU"/>
           </a:p>
@@ -7278,7 +7278,7 @@
           <a:p>
             <a:fld id="{A14B9F74-3990-45A6-9411-0C17A8CF851C}" type="datetimeFigureOut">
               <a:rPr lang="ru-RU" smtClean="0"/>
-              <a:t>12-03-2023</a:t>
+              <a:t>22-03-2023</a:t>
             </a:fld>
             <a:endParaRPr lang="ru-RU"/>
           </a:p>
@@ -7448,7 +7448,7 @@
           <a:p>
             <a:fld id="{A14B9F74-3990-45A6-9411-0C17A8CF851C}" type="datetimeFigureOut">
               <a:rPr lang="ru-RU" smtClean="0"/>
-              <a:t>12-03-2023</a:t>
+              <a:t>22-03-2023</a:t>
             </a:fld>
             <a:endParaRPr lang="ru-RU"/>
           </a:p>
@@ -7628,7 +7628,7 @@
           <a:p>
             <a:fld id="{A14B9F74-3990-45A6-9411-0C17A8CF851C}" type="datetimeFigureOut">
               <a:rPr lang="ru-RU" smtClean="0"/>
-              <a:t>12-03-2023</a:t>
+              <a:t>22-03-2023</a:t>
             </a:fld>
             <a:endParaRPr lang="ru-RU"/>
           </a:p>
@@ -7798,7 +7798,7 @@
           <a:p>
             <a:fld id="{A14B9F74-3990-45A6-9411-0C17A8CF851C}" type="datetimeFigureOut">
               <a:rPr lang="ru-RU" smtClean="0"/>
-              <a:t>12-03-2023</a:t>
+              <a:t>22-03-2023</a:t>
             </a:fld>
             <a:endParaRPr lang="ru-RU"/>
           </a:p>
@@ -8048,7 +8048,7 @@
           <a:p>
             <a:fld id="{A14B9F74-3990-45A6-9411-0C17A8CF851C}" type="datetimeFigureOut">
               <a:rPr lang="ru-RU" smtClean="0"/>
-              <a:t>12-03-2023</a:t>
+              <a:t>22-03-2023</a:t>
             </a:fld>
             <a:endParaRPr lang="ru-RU"/>
           </a:p>
@@ -8280,7 +8280,7 @@
           <a:p>
             <a:fld id="{A14B9F74-3990-45A6-9411-0C17A8CF851C}" type="datetimeFigureOut">
               <a:rPr lang="ru-RU" smtClean="0"/>
-              <a:t>12-03-2023</a:t>
+              <a:t>22-03-2023</a:t>
             </a:fld>
             <a:endParaRPr lang="ru-RU"/>
           </a:p>
@@ -8661,7 +8661,7 @@
           <a:p>
             <a:fld id="{A14B9F74-3990-45A6-9411-0C17A8CF851C}" type="datetimeFigureOut">
               <a:rPr lang="ru-RU" smtClean="0"/>
-              <a:t>12-03-2023</a:t>
+              <a:t>22-03-2023</a:t>
             </a:fld>
             <a:endParaRPr lang="ru-RU"/>
           </a:p>
@@ -8779,7 +8779,7 @@
           <a:p>
             <a:fld id="{A14B9F74-3990-45A6-9411-0C17A8CF851C}" type="datetimeFigureOut">
               <a:rPr lang="ru-RU" smtClean="0"/>
-              <a:t>12-03-2023</a:t>
+              <a:t>22-03-2023</a:t>
             </a:fld>
             <a:endParaRPr lang="ru-RU"/>
           </a:p>
@@ -8874,7 +8874,7 @@
           <a:p>
             <a:fld id="{A14B9F74-3990-45A6-9411-0C17A8CF851C}" type="datetimeFigureOut">
               <a:rPr lang="ru-RU" smtClean="0"/>
-              <a:t>12-03-2023</a:t>
+              <a:t>22-03-2023</a:t>
             </a:fld>
             <a:endParaRPr lang="ru-RU"/>
           </a:p>
@@ -9123,7 +9123,7 @@
           <a:p>
             <a:fld id="{A14B9F74-3990-45A6-9411-0C17A8CF851C}" type="datetimeFigureOut">
               <a:rPr lang="ru-RU" smtClean="0"/>
-              <a:t>12-03-2023</a:t>
+              <a:t>22-03-2023</a:t>
             </a:fld>
             <a:endParaRPr lang="ru-RU"/>
           </a:p>
@@ -9403,7 +9403,7 @@
           <a:p>
             <a:fld id="{A14B9F74-3990-45A6-9411-0C17A8CF851C}" type="datetimeFigureOut">
               <a:rPr lang="ru-RU" smtClean="0"/>
-              <a:t>12-03-2023</a:t>
+              <a:t>22-03-2023</a:t>
             </a:fld>
             <a:endParaRPr lang="ru-RU"/>
           </a:p>
@@ -9526,7 +9526,7 @@
           <a:noFill/>
           <a:extLst>
             <a:ext uri="{909E8E84-426E-40dd-AFC4-6F175D3DCCD1}">
-              <a14:hiddenFill xmlns:a14="http://schemas.microsoft.com/office/drawing/2010/main" xmlns="">
+              <a14:hiddenFill xmlns="" xmlns:a14="http://schemas.microsoft.com/office/drawing/2010/main">
                 <a:solidFill>
                   <a:srgbClr val="FFFFFF"/>
                 </a:solidFill>
@@ -9600,7 +9600,7 @@
               </a:ln>
               <a:extLst>
                 <a:ext uri="{91240B29-F687-4f45-9708-019B960494DF}">
-                  <a14:hiddenLine xmlns:a14="http://schemas.microsoft.com/office/drawing/2010/main" xmlns="" w="9525">
+                  <a14:hiddenLine xmlns="" xmlns:a14="http://schemas.microsoft.com/office/drawing/2010/main" w="9525">
                     <a:solidFill>
                       <a:srgbClr val="000000"/>
                     </a:solidFill>
@@ -9690,7 +9690,7 @@
               </a:ln>
               <a:extLst>
                 <a:ext uri="{91240B29-F687-4f45-9708-019B960494DF}">
-                  <a14:hiddenLine xmlns:a14="http://schemas.microsoft.com/office/drawing/2010/main" xmlns="" w="9525">
+                  <a14:hiddenLine xmlns="" xmlns:a14="http://schemas.microsoft.com/office/drawing/2010/main" w="9525">
                     <a:solidFill>
                       <a:srgbClr val="000000"/>
                     </a:solidFill>
@@ -9780,7 +9780,7 @@
               </a:ln>
               <a:extLst>
                 <a:ext uri="{91240B29-F687-4f45-9708-019B960494DF}">
-                  <a14:hiddenLine xmlns:a14="http://schemas.microsoft.com/office/drawing/2010/main" xmlns="" w="9525">
+                  <a14:hiddenLine xmlns="" xmlns:a14="http://schemas.microsoft.com/office/drawing/2010/main" w="9525">
                     <a:solidFill>
                       <a:srgbClr val="000000"/>
                     </a:solidFill>
@@ -9842,7 +9842,7 @@
               </a:ln>
               <a:extLst>
                 <a:ext uri="{91240B29-F687-4f45-9708-019B960494DF}">
-                  <a14:hiddenLine xmlns:a14="http://schemas.microsoft.com/office/drawing/2010/main" xmlns="" w="9525">
+                  <a14:hiddenLine xmlns="" xmlns:a14="http://schemas.microsoft.com/office/drawing/2010/main" w="9525">
                     <a:solidFill>
                       <a:srgbClr val="000000"/>
                     </a:solidFill>
@@ -9932,7 +9932,7 @@
               </a:ln>
               <a:extLst>
                 <a:ext uri="{91240B29-F687-4f45-9708-019B960494DF}">
-                  <a14:hiddenLine xmlns:a14="http://schemas.microsoft.com/office/drawing/2010/main" xmlns="" w="9525">
+                  <a14:hiddenLine xmlns="" xmlns:a14="http://schemas.microsoft.com/office/drawing/2010/main" w="9525">
                     <a:solidFill>
                       <a:srgbClr val="000000"/>
                     </a:solidFill>
@@ -9994,7 +9994,7 @@
               </a:ln>
               <a:extLst>
                 <a:ext uri="{91240B29-F687-4f45-9708-019B960494DF}">
-                  <a14:hiddenLine xmlns:a14="http://schemas.microsoft.com/office/drawing/2010/main" xmlns="" w="9525">
+                  <a14:hiddenLine xmlns="" xmlns:a14="http://schemas.microsoft.com/office/drawing/2010/main" w="9525">
                     <a:solidFill>
                       <a:srgbClr val="000000"/>
                     </a:solidFill>
@@ -10056,7 +10056,7 @@
               </a:ln>
               <a:extLst>
                 <a:ext uri="{91240B29-F687-4f45-9708-019B960494DF}">
-                  <a14:hiddenLine xmlns:a14="http://schemas.microsoft.com/office/drawing/2010/main" xmlns="" w="9525">
+                  <a14:hiddenLine xmlns="" xmlns:a14="http://schemas.microsoft.com/office/drawing/2010/main" w="9525">
                     <a:solidFill>
                       <a:srgbClr val="000000"/>
                     </a:solidFill>
@@ -10146,7 +10146,7 @@
               </a:ln>
               <a:extLst>
                 <a:ext uri="{91240B29-F687-4f45-9708-019B960494DF}">
-                  <a14:hiddenLine xmlns:a14="http://schemas.microsoft.com/office/drawing/2010/main" xmlns="" w="9525">
+                  <a14:hiddenLine xmlns="" xmlns:a14="http://schemas.microsoft.com/office/drawing/2010/main" w="9525">
                     <a:solidFill>
                       <a:srgbClr val="000000"/>
                     </a:solidFill>
@@ -10236,7 +10236,7 @@
               </a:ln>
               <a:extLst>
                 <a:ext uri="{91240B29-F687-4f45-9708-019B960494DF}">
-                  <a14:hiddenLine xmlns:a14="http://schemas.microsoft.com/office/drawing/2010/main" xmlns="" w="9525">
+                  <a14:hiddenLine xmlns="" xmlns:a14="http://schemas.microsoft.com/office/drawing/2010/main" w="9525">
                     <a:solidFill>
                       <a:srgbClr val="000000"/>
                     </a:solidFill>
@@ -10298,7 +10298,7 @@
               </a:ln>
               <a:extLst>
                 <a:ext uri="{91240B29-F687-4f45-9708-019B960494DF}">
-                  <a14:hiddenLine xmlns:a14="http://schemas.microsoft.com/office/drawing/2010/main" xmlns="" w="9525">
+                  <a14:hiddenLine xmlns="" xmlns:a14="http://schemas.microsoft.com/office/drawing/2010/main" w="9525">
                     <a:solidFill>
                       <a:srgbClr val="000000"/>
                     </a:solidFill>
@@ -10408,7 +10408,7 @@
               </a:ln>
               <a:extLst>
                 <a:ext uri="{91240B29-F687-4f45-9708-019B960494DF}">
-                  <a14:hiddenLine xmlns:a14="http://schemas.microsoft.com/office/drawing/2010/main" xmlns="" w="9525">
+                  <a14:hiddenLine xmlns="" xmlns:a14="http://schemas.microsoft.com/office/drawing/2010/main" w="9525">
                     <a:solidFill>
                       <a:srgbClr val="000000"/>
                     </a:solidFill>
@@ -10492,7 +10492,7 @@
               </a:ln>
               <a:extLst>
                 <a:ext uri="{91240B29-F687-4f45-9708-019B960494DF}">
-                  <a14:hiddenLine xmlns:a14="http://schemas.microsoft.com/office/drawing/2010/main" xmlns="" w="9525">
+                  <a14:hiddenLine xmlns="" xmlns:a14="http://schemas.microsoft.com/office/drawing/2010/main" w="9525">
                     <a:solidFill>
                       <a:srgbClr val="000000"/>
                     </a:solidFill>
@@ -10554,7 +10554,7 @@
               </a:ln>
               <a:extLst>
                 <a:ext uri="{91240B29-F687-4f45-9708-019B960494DF}">
-                  <a14:hiddenLine xmlns:a14="http://schemas.microsoft.com/office/drawing/2010/main" xmlns="" w="9525">
+                  <a14:hiddenLine xmlns="" xmlns:a14="http://schemas.microsoft.com/office/drawing/2010/main" w="9525">
                     <a:solidFill>
                       <a:srgbClr val="000000"/>
                     </a:solidFill>
@@ -10616,7 +10616,7 @@
               </a:ln>
               <a:extLst>
                 <a:ext uri="{91240B29-F687-4f45-9708-019B960494DF}">
-                  <a14:hiddenLine xmlns:a14="http://schemas.microsoft.com/office/drawing/2010/main" xmlns="" w="9525">
+                  <a14:hiddenLine xmlns="" xmlns:a14="http://schemas.microsoft.com/office/drawing/2010/main" w="9525">
                     <a:solidFill>
                       <a:srgbClr val="000000"/>
                     </a:solidFill>
@@ -10706,7 +10706,7 @@
               </a:ln>
               <a:extLst>
                 <a:ext uri="{91240B29-F687-4f45-9708-019B960494DF}">
-                  <a14:hiddenLine xmlns:a14="http://schemas.microsoft.com/office/drawing/2010/main" xmlns="" w="9525">
+                  <a14:hiddenLine xmlns="" xmlns:a14="http://schemas.microsoft.com/office/drawing/2010/main" w="9525">
                     <a:solidFill>
                       <a:srgbClr val="000000"/>
                     </a:solidFill>
@@ -10740,7 +10740,7 @@
               </a:ln>
               <a:extLst>
                 <a:ext uri="{91240B29-F687-4f45-9708-019B960494DF}">
-                  <a14:hiddenLine xmlns:a14="http://schemas.microsoft.com/office/drawing/2010/main" xmlns="" w="9525">
+                  <a14:hiddenLine xmlns="" xmlns:a14="http://schemas.microsoft.com/office/drawing/2010/main" w="9525">
                     <a:solidFill>
                       <a:srgbClr val="000000"/>
                     </a:solidFill>
@@ -10805,7 +10805,7 @@
               </a:ln>
               <a:extLst>
                 <a:ext uri="{91240B29-F687-4f45-9708-019B960494DF}">
-                  <a14:hiddenLine xmlns:a14="http://schemas.microsoft.com/office/drawing/2010/main" xmlns="" w="9525">
+                  <a14:hiddenLine xmlns="" xmlns:a14="http://schemas.microsoft.com/office/drawing/2010/main" w="9525">
                     <a:solidFill>
                       <a:srgbClr val="000000"/>
                     </a:solidFill>
@@ -10895,7 +10895,7 @@
               </a:ln>
               <a:extLst>
                 <a:ext uri="{91240B29-F687-4f45-9708-019B960494DF}">
-                  <a14:hiddenLine xmlns:a14="http://schemas.microsoft.com/office/drawing/2010/main" xmlns="" w="9525">
+                  <a14:hiddenLine xmlns="" xmlns:a14="http://schemas.microsoft.com/office/drawing/2010/main" w="9525">
                     <a:solidFill>
                       <a:srgbClr val="000000"/>
                     </a:solidFill>
@@ -10957,7 +10957,7 @@
               </a:ln>
               <a:extLst>
                 <a:ext uri="{91240B29-F687-4f45-9708-019B960494DF}">
-                  <a14:hiddenLine xmlns:a14="http://schemas.microsoft.com/office/drawing/2010/main" xmlns="" w="9525">
+                  <a14:hiddenLine xmlns="" xmlns:a14="http://schemas.microsoft.com/office/drawing/2010/main" w="9525">
                     <a:solidFill>
                       <a:srgbClr val="000000"/>
                     </a:solidFill>
@@ -11047,7 +11047,7 @@
               </a:ln>
               <a:extLst>
                 <a:ext uri="{91240B29-F687-4f45-9708-019B960494DF}">
-                  <a14:hiddenLine xmlns:a14="http://schemas.microsoft.com/office/drawing/2010/main" xmlns="" w="9525">
+                  <a14:hiddenLine xmlns="" xmlns:a14="http://schemas.microsoft.com/office/drawing/2010/main" w="9525">
                     <a:solidFill>
                       <a:srgbClr val="000000"/>
                     </a:solidFill>
@@ -11112,7 +11112,7 @@
               </a:ln>
               <a:extLst>
                 <a:ext uri="{91240B29-F687-4f45-9708-019B960494DF}">
-                  <a14:hiddenLine xmlns:a14="http://schemas.microsoft.com/office/drawing/2010/main" xmlns="" w="9525">
+                  <a14:hiddenLine xmlns="" xmlns:a14="http://schemas.microsoft.com/office/drawing/2010/main" w="9525">
                     <a:solidFill>
                       <a:srgbClr val="000000"/>
                     </a:solidFill>
@@ -11174,7 +11174,7 @@
               </a:ln>
               <a:extLst>
                 <a:ext uri="{91240B29-F687-4f45-9708-019B960494DF}">
-                  <a14:hiddenLine xmlns:a14="http://schemas.microsoft.com/office/drawing/2010/main" xmlns="" w="9525">
+                  <a14:hiddenLine xmlns="" xmlns:a14="http://schemas.microsoft.com/office/drawing/2010/main" w="9525">
                     <a:solidFill>
                       <a:srgbClr val="000000"/>
                     </a:solidFill>
@@ -11264,7 +11264,7 @@
               </a:ln>
               <a:extLst>
                 <a:ext uri="{91240B29-F687-4f45-9708-019B960494DF}">
-                  <a14:hiddenLine xmlns:a14="http://schemas.microsoft.com/office/drawing/2010/main" xmlns="" w="9525">
+                  <a14:hiddenLine xmlns="" xmlns:a14="http://schemas.microsoft.com/office/drawing/2010/main" w="9525">
                     <a:solidFill>
                       <a:srgbClr val="000000"/>
                     </a:solidFill>
@@ -11354,7 +11354,7 @@
               </a:ln>
               <a:extLst>
                 <a:ext uri="{91240B29-F687-4f45-9708-019B960494DF}">
-                  <a14:hiddenLine xmlns:a14="http://schemas.microsoft.com/office/drawing/2010/main" xmlns="" w="9525">
+                  <a14:hiddenLine xmlns="" xmlns:a14="http://schemas.microsoft.com/office/drawing/2010/main" w="9525">
                     <a:solidFill>
                       <a:srgbClr val="000000"/>
                     </a:solidFill>
@@ -11419,7 +11419,7 @@
               </a:ln>
               <a:extLst>
                 <a:ext uri="{91240B29-F687-4f45-9708-019B960494DF}">
-                  <a14:hiddenLine xmlns:a14="http://schemas.microsoft.com/office/drawing/2010/main" xmlns="" w="9525">
+                  <a14:hiddenLine xmlns="" xmlns:a14="http://schemas.microsoft.com/office/drawing/2010/main" w="9525">
                     <a:solidFill>
                       <a:srgbClr val="000000"/>
                     </a:solidFill>
@@ -11539,7 +11539,7 @@
               </a:ln>
               <a:extLst>
                 <a:ext uri="{91240B29-F687-4f45-9708-019B960494DF}">
-                  <a14:hiddenLine xmlns:a14="http://schemas.microsoft.com/office/drawing/2010/main" xmlns="" w="9525">
+                  <a14:hiddenLine xmlns="" xmlns:a14="http://schemas.microsoft.com/office/drawing/2010/main" w="9525">
                     <a:solidFill>
                       <a:srgbClr val="000000"/>
                     </a:solidFill>
@@ -11620,7 +11620,7 @@
               </a:ln>
               <a:extLst>
                 <a:ext uri="{91240B29-F687-4f45-9708-019B960494DF}">
-                  <a14:hiddenLine xmlns:a14="http://schemas.microsoft.com/office/drawing/2010/main" xmlns="" w="9525">
+                  <a14:hiddenLine xmlns="" xmlns:a14="http://schemas.microsoft.com/office/drawing/2010/main" w="9525">
                     <a:solidFill>
                       <a:srgbClr val="000000"/>
                     </a:solidFill>
@@ -11735,7 +11735,7 @@
               </a:ln>
               <a:extLst>
                 <a:ext uri="{91240B29-F687-4f45-9708-019B960494DF}">
-                  <a14:hiddenLine xmlns:a14="http://schemas.microsoft.com/office/drawing/2010/main" xmlns="" w="9525">
+                  <a14:hiddenLine xmlns="" xmlns:a14="http://schemas.microsoft.com/office/drawing/2010/main" w="9525">
                     <a:solidFill>
                       <a:srgbClr val="000000"/>
                     </a:solidFill>
@@ -11825,7 +11825,7 @@
               </a:ln>
               <a:extLst>
                 <a:ext uri="{91240B29-F687-4f45-9708-019B960494DF}">
-                  <a14:hiddenLine xmlns:a14="http://schemas.microsoft.com/office/drawing/2010/main" xmlns="" w="9525">
+                  <a14:hiddenLine xmlns="" xmlns:a14="http://schemas.microsoft.com/office/drawing/2010/main" w="9525">
                     <a:solidFill>
                       <a:srgbClr val="000000"/>
                     </a:solidFill>
@@ -11890,7 +11890,7 @@
               </a:ln>
               <a:extLst>
                 <a:ext uri="{91240B29-F687-4f45-9708-019B960494DF}">
-                  <a14:hiddenLine xmlns:a14="http://schemas.microsoft.com/office/drawing/2010/main" xmlns="" w="9525">
+                  <a14:hiddenLine xmlns="" xmlns:a14="http://schemas.microsoft.com/office/drawing/2010/main" w="9525">
                     <a:solidFill>
                       <a:srgbClr val="000000"/>
                     </a:solidFill>
@@ -11980,7 +11980,7 @@
               </a:ln>
               <a:extLst>
                 <a:ext uri="{91240B29-F687-4f45-9708-019B960494DF}">
-                  <a14:hiddenLine xmlns:a14="http://schemas.microsoft.com/office/drawing/2010/main" xmlns="" w="9525">
+                  <a14:hiddenLine xmlns="" xmlns:a14="http://schemas.microsoft.com/office/drawing/2010/main" w="9525">
                     <a:solidFill>
                       <a:srgbClr val="000000"/>
                     </a:solidFill>
@@ -12048,7 +12048,7 @@
               </a:ln>
               <a:extLst>
                 <a:ext uri="{91240B29-F687-4f45-9708-019B960494DF}">
-                  <a14:hiddenLine xmlns:a14="http://schemas.microsoft.com/office/drawing/2010/main" xmlns="" w="9525">
+                  <a14:hiddenLine xmlns="" xmlns:a14="http://schemas.microsoft.com/office/drawing/2010/main" w="9525">
                     <a:solidFill>
                       <a:srgbClr val="000000"/>
                     </a:solidFill>
@@ -12138,7 +12138,7 @@
               </a:ln>
               <a:extLst>
                 <a:ext uri="{91240B29-F687-4f45-9708-019B960494DF}">
-                  <a14:hiddenLine xmlns:a14="http://schemas.microsoft.com/office/drawing/2010/main" xmlns="" w="9525">
+                  <a14:hiddenLine xmlns="" xmlns:a14="http://schemas.microsoft.com/office/drawing/2010/main" w="9525">
                     <a:solidFill>
                       <a:srgbClr val="000000"/>
                     </a:solidFill>
@@ -12206,7 +12206,7 @@
               </a:ln>
               <a:extLst>
                 <a:ext uri="{91240B29-F687-4f45-9708-019B960494DF}">
-                  <a14:hiddenLine xmlns:a14="http://schemas.microsoft.com/office/drawing/2010/main" xmlns="" w="9525">
+                  <a14:hiddenLine xmlns="" xmlns:a14="http://schemas.microsoft.com/office/drawing/2010/main" w="9525">
                     <a:solidFill>
                       <a:srgbClr val="000000"/>
                     </a:solidFill>
@@ -12296,7 +12296,7 @@
               </a:ln>
               <a:extLst>
                 <a:ext uri="{91240B29-F687-4f45-9708-019B960494DF}">
-                  <a14:hiddenLine xmlns:a14="http://schemas.microsoft.com/office/drawing/2010/main" xmlns="" w="9525">
+                  <a14:hiddenLine xmlns="" xmlns:a14="http://schemas.microsoft.com/office/drawing/2010/main" w="9525">
                     <a:solidFill>
                       <a:srgbClr val="000000"/>
                     </a:solidFill>
@@ -12330,7 +12330,7 @@
               </a:ln>
               <a:extLst>
                 <a:ext uri="{91240B29-F687-4f45-9708-019B960494DF}">
-                  <a14:hiddenLine xmlns:a14="http://schemas.microsoft.com/office/drawing/2010/main" xmlns="" w="9525">
+                  <a14:hiddenLine xmlns="" xmlns:a14="http://schemas.microsoft.com/office/drawing/2010/main" w="9525">
                     <a:solidFill>
                       <a:srgbClr val="000000"/>
                     </a:solidFill>
@@ -12470,7 +12470,7 @@
           <a:p>
             <a:fld id="{A14B9F74-3990-45A6-9411-0C17A8CF851C}" type="datetimeFigureOut">
               <a:rPr lang="ru-RU" smtClean="0"/>
-              <a:t>12-03-2023</a:t>
+              <a:t>22-03-2023</a:t>
             </a:fld>
             <a:endParaRPr lang="ru-RU"/>
           </a:p>
@@ -22622,6 +22622,17 @@
           <a:p>
             <a:r>
               <a:rPr lang="ru-RU" dirty="0" smtClean="0"/>
+              <a:t>См. Пример.</a:t>
+            </a:r>
+            <a:r>
+              <a:rPr lang="en-US" smtClean="0"/>
+              <a:t>drawio</a:t>
+            </a:r>
+            <a:endParaRPr lang="ru-RU" dirty="0" smtClean="0"/>
+          </a:p>
+          <a:p>
+            <a:r>
+              <a:rPr lang="ru-RU" dirty="0" smtClean="0"/>
               <a:t>Проект </a:t>
             </a:r>
             <a:r>
